--- a/WebComp_MFE.pptx
+++ b/WebComp_MFE.pptx
@@ -5,7 +5,7 @@
     <p:sldMasterId id="2147483648" r:id="rId1"/>
   </p:sldMasterIdLst>
   <p:notesMasterIdLst>
-    <p:notesMasterId r:id="rId10"/>
+    <p:notesMasterId r:id="rId11"/>
   </p:notesMasterIdLst>
   <p:sldIdLst>
     <p:sldId id="256" r:id="rId2"/>
@@ -16,6 +16,7 @@
     <p:sldId id="261" r:id="rId7"/>
     <p:sldId id="262" r:id="rId8"/>
     <p:sldId id="263" r:id="rId9"/>
+    <p:sldId id="264" r:id="rId10"/>
   </p:sldIdLst>
   <p:sldSz cx="12192000" cy="6858000"/>
   <p:notesSz cx="6858000" cy="9144000"/>
@@ -5138,6 +5139,136 @@
     <p:extLst>
       <p:ext uri="{BB962C8B-B14F-4D97-AF65-F5344CB8AC3E}">
         <p14:creationId xmlns:p14="http://schemas.microsoft.com/office/powerpoint/2010/main" val="1551217099"/>
+      </p:ext>
+    </p:extLst>
+  </p:cSld>
+  <p:clrMapOvr>
+    <a:masterClrMapping/>
+  </p:clrMapOvr>
+</p:sld>
+</file>
+
+<file path=ppt/slides/slide9.xml><?xml version="1.0" encoding="utf-8"?>
+<p:sld xmlns:a="http://schemas.openxmlformats.org/drawingml/2006/main" xmlns:r="http://schemas.openxmlformats.org/officeDocument/2006/relationships" xmlns:p="http://schemas.openxmlformats.org/presentationml/2006/main">
+  <p:cSld>
+    <p:spTree>
+      <p:nvGrpSpPr>
+        <p:cNvPr id="1" name=""/>
+        <p:cNvGrpSpPr/>
+        <p:nvPr/>
+      </p:nvGrpSpPr>
+      <p:grpSpPr>
+        <a:xfrm>
+          <a:off x="0" y="0"/>
+          <a:ext cx="0" cy="0"/>
+          <a:chOff x="0" y="0"/>
+          <a:chExt cx="0" cy="0"/>
+        </a:xfrm>
+      </p:grpSpPr>
+      <p:sp>
+        <p:nvSpPr>
+          <p:cNvPr id="2" name="Title 1">
+            <a:extLst>
+              <a:ext uri="{FF2B5EF4-FFF2-40B4-BE49-F238E27FC236}">
+                <a16:creationId xmlns:a16="http://schemas.microsoft.com/office/drawing/2014/main" id="{5D001323-EC28-E94F-A8B8-2A35DE1F8024}"/>
+              </a:ext>
+            </a:extLst>
+          </p:cNvPr>
+          <p:cNvSpPr>
+            <a:spLocks noGrp="1"/>
+          </p:cNvSpPr>
+          <p:nvPr>
+            <p:ph type="title"/>
+          </p:nvPr>
+        </p:nvSpPr>
+        <p:spPr/>
+        <p:txBody>
+          <a:bodyPr/>
+          <a:lstStyle/>
+          <a:p>
+            <a:r>
+              <a:rPr lang="sv-SE" dirty="0" err="1"/>
+              <a:t>References</a:t>
+            </a:r>
+            <a:endParaRPr lang="sv-SE" dirty="0"/>
+          </a:p>
+        </p:txBody>
+      </p:sp>
+      <p:sp>
+        <p:nvSpPr>
+          <p:cNvPr id="3" name="Content Placeholder 2">
+            <a:extLst>
+              <a:ext uri="{FF2B5EF4-FFF2-40B4-BE49-F238E27FC236}">
+                <a16:creationId xmlns:a16="http://schemas.microsoft.com/office/drawing/2014/main" id="{BB4610B0-446A-5F42-9EB1-92BF883D5696}"/>
+              </a:ext>
+            </a:extLst>
+          </p:cNvPr>
+          <p:cNvSpPr>
+            <a:spLocks noGrp="1"/>
+          </p:cNvSpPr>
+          <p:nvPr>
+            <p:ph idx="1"/>
+          </p:nvPr>
+        </p:nvSpPr>
+        <p:spPr/>
+        <p:txBody>
+          <a:bodyPr/>
+          <a:lstStyle/>
+          <a:p>
+            <a:endParaRPr lang="sv-SE" dirty="0">
+              <a:hlinkClick r:id="rId2"/>
+            </a:endParaRPr>
+          </a:p>
+          <a:p>
+            <a:r>
+              <a:rPr lang="sv-SE" dirty="0">
+                <a:hlinkClick r:id="rId2"/>
+              </a:rPr>
+              <a:t>https://en.wikipedia.org/wiki/Web_Components </a:t>
+            </a:r>
+          </a:p>
+          <a:p>
+            <a:r>
+              <a:rPr lang="sv-SE" dirty="0">
+                <a:hlinkClick r:id="rId2"/>
+              </a:rPr>
+              <a:t>https://developer.mozilla.org/en-US/docs/Web/Web_Components</a:t>
+            </a:r>
+            <a:endParaRPr lang="sv-SE" dirty="0"/>
+          </a:p>
+          <a:p>
+            <a:r>
+              <a:rPr lang="sv-SE" dirty="0">
+                <a:hlinkClick r:id="rId3"/>
+              </a:rPr>
+              <a:t>https://en.wikipedia.org/wiki/Document_Object_Model</a:t>
+            </a:r>
+            <a:endParaRPr lang="sv-SE" dirty="0"/>
+          </a:p>
+          <a:p>
+            <a:r>
+              <a:rPr lang="sv-SE" dirty="0">
+                <a:hlinkClick r:id="rId4"/>
+              </a:rPr>
+              <a:t>https://micro-frontends.org</a:t>
+            </a:r>
+            <a:r>
+              <a:rPr lang="sv-SE">
+                <a:hlinkClick r:id="rId4"/>
+              </a:rPr>
+              <a:t>/</a:t>
+            </a:r>
+            <a:endParaRPr lang="sv-SE"/>
+          </a:p>
+          <a:p>
+            <a:endParaRPr lang="sv-SE" dirty="0"/>
+          </a:p>
+        </p:txBody>
+      </p:sp>
+    </p:spTree>
+    <p:extLst>
+      <p:ext uri="{BB962C8B-B14F-4D97-AF65-F5344CB8AC3E}">
+        <p14:creationId xmlns:p14="http://schemas.microsoft.com/office/powerpoint/2010/main" val="4205327605"/>
       </p:ext>
     </p:extLst>
   </p:cSld>

--- a/WebComp_MFE.pptx
+++ b/WebComp_MFE.pptx
@@ -5,7 +5,7 @@
     <p:sldMasterId id="2147483648" r:id="rId1"/>
   </p:sldMasterIdLst>
   <p:notesMasterIdLst>
-    <p:notesMasterId r:id="rId11"/>
+    <p:notesMasterId r:id="rId17"/>
   </p:notesMasterIdLst>
   <p:sldIdLst>
     <p:sldId id="256" r:id="rId2"/>
@@ -16,7 +16,13 @@
     <p:sldId id="261" r:id="rId7"/>
     <p:sldId id="262" r:id="rId8"/>
     <p:sldId id="263" r:id="rId9"/>
-    <p:sldId id="264" r:id="rId10"/>
+    <p:sldId id="266" r:id="rId10"/>
+    <p:sldId id="267" r:id="rId11"/>
+    <p:sldId id="268" r:id="rId12"/>
+    <p:sldId id="269" r:id="rId13"/>
+    <p:sldId id="270" r:id="rId14"/>
+    <p:sldId id="264" r:id="rId15"/>
+    <p:sldId id="265" r:id="rId16"/>
   </p:sldIdLst>
   <p:sldSz cx="12192000" cy="6858000"/>
   <p:notesSz cx="6858000" cy="9144000"/>
@@ -205,7 +211,7 @@
           <a:p>
             <a:fld id="{4BADD85B-E8A5-1942-B357-1E148AEDEE4B}" type="datetimeFigureOut">
               <a:rPr lang="sv-SE" smtClean="0"/>
-              <a:t>2019-03-25</a:t>
+              <a:t>2019-03-26</a:t>
             </a:fld>
             <a:endParaRPr lang="sv-SE"/>
           </a:p>
@@ -713,6 +719,100 @@
           <a:lstStyle/>
           <a:p>
             <a:r>
+              <a:rPr lang="sv-SE" dirty="0" err="1"/>
+              <a:t>Anakin</a:t>
+            </a:r>
+            <a:r>
+              <a:rPr lang="sv-SE" dirty="0"/>
+              <a:t> Skywalker / Darth Vader.</a:t>
+            </a:r>
+          </a:p>
+          <a:p>
+            <a:endParaRPr lang="sv-SE" dirty="0"/>
+          </a:p>
+        </p:txBody>
+      </p:sp>
+      <p:sp>
+        <p:nvSpPr>
+          <p:cNvPr id="4" name="Slide Number Placeholder 3"/>
+          <p:cNvSpPr>
+            <a:spLocks noGrp="1"/>
+          </p:cNvSpPr>
+          <p:nvPr>
+            <p:ph type="sldNum" sz="quarter" idx="5"/>
+          </p:nvPr>
+        </p:nvSpPr>
+        <p:spPr/>
+        <p:txBody>
+          <a:bodyPr/>
+          <a:lstStyle/>
+          <a:p>
+            <a:fld id="{954B0E2F-91AE-5240-847F-4A4651346E6F}" type="slidenum">
+              <a:rPr lang="sv-SE" smtClean="0"/>
+              <a:t>7</a:t>
+            </a:fld>
+            <a:endParaRPr lang="sv-SE"/>
+          </a:p>
+        </p:txBody>
+      </p:sp>
+    </p:spTree>
+    <p:extLst>
+      <p:ext uri="{BB962C8B-B14F-4D97-AF65-F5344CB8AC3E}">
+        <p14:creationId xmlns:p14="http://schemas.microsoft.com/office/powerpoint/2010/main" val="1562670288"/>
+      </p:ext>
+    </p:extLst>
+  </p:cSld>
+  <p:clrMapOvr>
+    <a:masterClrMapping/>
+  </p:clrMapOvr>
+</p:notes>
+</file>
+
+<file path=ppt/notesSlides/notesSlide3.xml><?xml version="1.0" encoding="utf-8"?>
+<p:notes xmlns:a="http://schemas.openxmlformats.org/drawingml/2006/main" xmlns:r="http://schemas.openxmlformats.org/officeDocument/2006/relationships" xmlns:p="http://schemas.openxmlformats.org/presentationml/2006/main">
+  <p:cSld>
+    <p:spTree>
+      <p:nvGrpSpPr>
+        <p:cNvPr id="1" name=""/>
+        <p:cNvGrpSpPr/>
+        <p:nvPr/>
+      </p:nvGrpSpPr>
+      <p:grpSpPr>
+        <a:xfrm>
+          <a:off x="0" y="0"/>
+          <a:ext cx="0" cy="0"/>
+          <a:chOff x="0" y="0"/>
+          <a:chExt cx="0" cy="0"/>
+        </a:xfrm>
+      </p:grpSpPr>
+      <p:sp>
+        <p:nvSpPr>
+          <p:cNvPr id="2" name="Slide Image Placeholder 1"/>
+          <p:cNvSpPr>
+            <a:spLocks noGrp="1" noRot="1" noChangeAspect="1"/>
+          </p:cNvSpPr>
+          <p:nvPr>
+            <p:ph type="sldImg"/>
+          </p:nvPr>
+        </p:nvSpPr>
+        <p:spPr/>
+      </p:sp>
+      <p:sp>
+        <p:nvSpPr>
+          <p:cNvPr id="3" name="Notes Placeholder 2"/>
+          <p:cNvSpPr>
+            <a:spLocks noGrp="1"/>
+          </p:cNvSpPr>
+          <p:nvPr>
+            <p:ph type="body" idx="1"/>
+          </p:nvPr>
+        </p:nvSpPr>
+        <p:spPr/>
+        <p:txBody>
+          <a:bodyPr/>
+          <a:lstStyle/>
+          <a:p>
+            <a:r>
               <a:rPr lang="sv-SE" dirty="0"/>
               <a:t>DOM är det som möjliggör AJAX/REST, SPA mm mm mm.</a:t>
             </a:r>
@@ -913,7 +1013,7 @@
           <a:p>
             <a:fld id="{12076ACC-5DC3-674D-990A-0307A1713EE6}" type="datetimeFigureOut">
               <a:rPr lang="sv-SE" smtClean="0"/>
-              <a:t>2019-03-25</a:t>
+              <a:t>2019-03-26</a:t>
             </a:fld>
             <a:endParaRPr lang="sv-SE"/>
           </a:p>
@@ -1113,7 +1213,7 @@
           <a:p>
             <a:fld id="{12076ACC-5DC3-674D-990A-0307A1713EE6}" type="datetimeFigureOut">
               <a:rPr lang="sv-SE" smtClean="0"/>
-              <a:t>2019-03-25</a:t>
+              <a:t>2019-03-26</a:t>
             </a:fld>
             <a:endParaRPr lang="sv-SE"/>
           </a:p>
@@ -1323,7 +1423,7 @@
           <a:p>
             <a:fld id="{12076ACC-5DC3-674D-990A-0307A1713EE6}" type="datetimeFigureOut">
               <a:rPr lang="sv-SE" smtClean="0"/>
-              <a:t>2019-03-25</a:t>
+              <a:t>2019-03-26</a:t>
             </a:fld>
             <a:endParaRPr lang="sv-SE"/>
           </a:p>
@@ -1523,7 +1623,7 @@
           <a:p>
             <a:fld id="{12076ACC-5DC3-674D-990A-0307A1713EE6}" type="datetimeFigureOut">
               <a:rPr lang="sv-SE" smtClean="0"/>
-              <a:t>2019-03-25</a:t>
+              <a:t>2019-03-26</a:t>
             </a:fld>
             <a:endParaRPr lang="sv-SE"/>
           </a:p>
@@ -1799,7 +1899,7 @@
           <a:p>
             <a:fld id="{12076ACC-5DC3-674D-990A-0307A1713EE6}" type="datetimeFigureOut">
               <a:rPr lang="sv-SE" smtClean="0"/>
-              <a:t>2019-03-25</a:t>
+              <a:t>2019-03-26</a:t>
             </a:fld>
             <a:endParaRPr lang="sv-SE"/>
           </a:p>
@@ -2067,7 +2167,7 @@
           <a:p>
             <a:fld id="{12076ACC-5DC3-674D-990A-0307A1713EE6}" type="datetimeFigureOut">
               <a:rPr lang="sv-SE" smtClean="0"/>
-              <a:t>2019-03-25</a:t>
+              <a:t>2019-03-26</a:t>
             </a:fld>
             <a:endParaRPr lang="sv-SE"/>
           </a:p>
@@ -2482,7 +2582,7 @@
           <a:p>
             <a:fld id="{12076ACC-5DC3-674D-990A-0307A1713EE6}" type="datetimeFigureOut">
               <a:rPr lang="sv-SE" smtClean="0"/>
-              <a:t>2019-03-25</a:t>
+              <a:t>2019-03-26</a:t>
             </a:fld>
             <a:endParaRPr lang="sv-SE"/>
           </a:p>
@@ -2624,7 +2724,7 @@
           <a:p>
             <a:fld id="{12076ACC-5DC3-674D-990A-0307A1713EE6}" type="datetimeFigureOut">
               <a:rPr lang="sv-SE" smtClean="0"/>
-              <a:t>2019-03-25</a:t>
+              <a:t>2019-03-26</a:t>
             </a:fld>
             <a:endParaRPr lang="sv-SE"/>
           </a:p>
@@ -2737,7 +2837,7 @@
           <a:p>
             <a:fld id="{12076ACC-5DC3-674D-990A-0307A1713EE6}" type="datetimeFigureOut">
               <a:rPr lang="sv-SE" smtClean="0"/>
-              <a:t>2019-03-25</a:t>
+              <a:t>2019-03-26</a:t>
             </a:fld>
             <a:endParaRPr lang="sv-SE"/>
           </a:p>
@@ -3050,7 +3150,7 @@
           <a:p>
             <a:fld id="{12076ACC-5DC3-674D-990A-0307A1713EE6}" type="datetimeFigureOut">
               <a:rPr lang="sv-SE" smtClean="0"/>
-              <a:t>2019-03-25</a:t>
+              <a:t>2019-03-26</a:t>
             </a:fld>
             <a:endParaRPr lang="sv-SE"/>
           </a:p>
@@ -3339,7 +3439,7 @@
           <a:p>
             <a:fld id="{12076ACC-5DC3-674D-990A-0307A1713EE6}" type="datetimeFigureOut">
               <a:rPr lang="sv-SE" smtClean="0"/>
-              <a:t>2019-03-25</a:t>
+              <a:t>2019-03-26</a:t>
             </a:fld>
             <a:endParaRPr lang="sv-SE"/>
           </a:p>
@@ -3582,7 +3682,7 @@
           <a:p>
             <a:fld id="{12076ACC-5DC3-674D-990A-0307A1713EE6}" type="datetimeFigureOut">
               <a:rPr lang="sv-SE" smtClean="0"/>
-              <a:t>2019-03-25</a:t>
+              <a:t>2019-03-26</a:t>
             </a:fld>
             <a:endParaRPr lang="sv-SE"/>
           </a:p>
@@ -4028,14 +4128,14 @@
             </a:r>
             <a:r>
               <a:rPr lang="sv-SE" dirty="0" err="1"/>
-              <a:t>FrontEnd</a:t>
+              <a:t>FrontEnds</a:t>
             </a:r>
             <a:br>
               <a:rPr lang="sv-SE" dirty="0"/>
             </a:br>
             <a:r>
-              <a:rPr lang="sv-SE" dirty="0"/>
-              <a:t>and</a:t>
+              <a:rPr lang="sv-SE" dirty="0" err="1"/>
+              <a:t>using</a:t>
             </a:r>
             <a:br>
               <a:rPr lang="sv-SE" dirty="0"/>
@@ -4170,6 +4270,1003 @@
     <p:extLst>
       <p:ext uri="{BB962C8B-B14F-4D97-AF65-F5344CB8AC3E}">
         <p14:creationId xmlns:p14="http://schemas.microsoft.com/office/powerpoint/2010/main" val="3804115122"/>
+      </p:ext>
+    </p:extLst>
+  </p:cSld>
+  <p:clrMapOvr>
+    <a:masterClrMapping/>
+  </p:clrMapOvr>
+</p:sld>
+</file>
+
+<file path=ppt/slides/slide10.xml><?xml version="1.0" encoding="utf-8"?>
+<p:sld xmlns:a="http://schemas.openxmlformats.org/drawingml/2006/main" xmlns:r="http://schemas.openxmlformats.org/officeDocument/2006/relationships" xmlns:p="http://schemas.openxmlformats.org/presentationml/2006/main">
+  <p:cSld>
+    <p:spTree>
+      <p:nvGrpSpPr>
+        <p:cNvPr id="1" name=""/>
+        <p:cNvGrpSpPr/>
+        <p:nvPr/>
+      </p:nvGrpSpPr>
+      <p:grpSpPr>
+        <a:xfrm>
+          <a:off x="0" y="0"/>
+          <a:ext cx="0" cy="0"/>
+          <a:chOff x="0" y="0"/>
+          <a:chExt cx="0" cy="0"/>
+        </a:xfrm>
+      </p:grpSpPr>
+      <p:pic>
+        <p:nvPicPr>
+          <p:cNvPr id="5" name="Content Placeholder 4">
+            <a:extLst>
+              <a:ext uri="{FF2B5EF4-FFF2-40B4-BE49-F238E27FC236}">
+                <a16:creationId xmlns:a16="http://schemas.microsoft.com/office/drawing/2014/main" id="{597B6583-7E4C-7D46-971E-87A903F1EEB2}"/>
+              </a:ext>
+            </a:extLst>
+          </p:cNvPr>
+          <p:cNvPicPr>
+            <a:picLocks noGrp="1" noChangeAspect="1"/>
+          </p:cNvPicPr>
+          <p:nvPr>
+            <p:ph idx="1"/>
+          </p:nvPr>
+        </p:nvPicPr>
+        <p:blipFill>
+          <a:blip r:embed="rId2"/>
+          <a:stretch>
+            <a:fillRect/>
+          </a:stretch>
+        </p:blipFill>
+        <p:spPr>
+          <a:xfrm>
+            <a:off x="1508268" y="611886"/>
+            <a:ext cx="8738736" cy="4351338"/>
+          </a:xfrm>
+        </p:spPr>
+      </p:pic>
+      <p:sp>
+        <p:nvSpPr>
+          <p:cNvPr id="2" name="Title 1">
+            <a:extLst>
+              <a:ext uri="{FF2B5EF4-FFF2-40B4-BE49-F238E27FC236}">
+                <a16:creationId xmlns:a16="http://schemas.microsoft.com/office/drawing/2014/main" id="{6213AD00-23FD-5D44-92A6-F8621FC1AC10}"/>
+              </a:ext>
+            </a:extLst>
+          </p:cNvPr>
+          <p:cNvSpPr>
+            <a:spLocks noGrp="1"/>
+          </p:cNvSpPr>
+          <p:nvPr>
+            <p:ph type="title"/>
+          </p:nvPr>
+        </p:nvSpPr>
+        <p:spPr>
+          <a:xfrm>
+            <a:off x="524301" y="105817"/>
+            <a:ext cx="10515600" cy="1325563"/>
+          </a:xfrm>
+        </p:spPr>
+        <p:txBody>
+          <a:bodyPr/>
+          <a:lstStyle/>
+          <a:p>
+            <a:r>
+              <a:rPr lang="sv-SE" dirty="0"/>
+              <a:t>Hur funkar det?</a:t>
+            </a:r>
+          </a:p>
+        </p:txBody>
+      </p:sp>
+      <p:sp>
+        <p:nvSpPr>
+          <p:cNvPr id="6" name="TextBox 5">
+            <a:extLst>
+              <a:ext uri="{FF2B5EF4-FFF2-40B4-BE49-F238E27FC236}">
+                <a16:creationId xmlns:a16="http://schemas.microsoft.com/office/drawing/2014/main" id="{20C10677-F30C-C34F-A225-06901E18DDA2}"/>
+              </a:ext>
+            </a:extLst>
+          </p:cNvPr>
+          <p:cNvSpPr txBox="1"/>
+          <p:nvPr/>
+        </p:nvSpPr>
+        <p:spPr>
+          <a:xfrm>
+            <a:off x="524300" y="4817660"/>
+            <a:ext cx="5571699" cy="2031325"/>
+          </a:xfrm>
+          <a:prstGeom prst="rect">
+            <a:avLst/>
+          </a:prstGeom>
+          <a:noFill/>
+        </p:spPr>
+        <p:txBody>
+          <a:bodyPr wrap="square" rtlCol="0">
+            <a:spAutoFit/>
+          </a:bodyPr>
+          <a:lstStyle/>
+          <a:p>
+            <a:r>
+              <a:rPr lang="en" b="1" dirty="0"/>
+              <a:t>Shadow host</a:t>
+            </a:r>
+            <a:r>
+              <a:rPr lang="en" dirty="0"/>
+              <a:t>: The regular DOM node that the shadow DOM is attached to.</a:t>
+            </a:r>
+          </a:p>
+          <a:p>
+            <a:r>
+              <a:rPr lang="en" b="1" dirty="0"/>
+              <a:t>Shadow tree</a:t>
+            </a:r>
+            <a:r>
+              <a:rPr lang="en" dirty="0"/>
+              <a:t>: The DOM tree inside the shadow DOM.</a:t>
+            </a:r>
+          </a:p>
+          <a:p>
+            <a:r>
+              <a:rPr lang="en" b="1" dirty="0"/>
+              <a:t>Shadow boundary</a:t>
+            </a:r>
+            <a:r>
+              <a:rPr lang="en" dirty="0"/>
+              <a:t>: the place where the shadow DOM ends, and the regular DOM begins.</a:t>
+            </a:r>
+          </a:p>
+          <a:p>
+            <a:r>
+              <a:rPr lang="en" b="1" dirty="0"/>
+              <a:t>Shadow root</a:t>
+            </a:r>
+            <a:r>
+              <a:rPr lang="en" dirty="0"/>
+              <a:t>: The root node of the shadow tree.</a:t>
+            </a:r>
+          </a:p>
+          <a:p>
+            <a:endParaRPr lang="sv-SE" dirty="0"/>
+          </a:p>
+        </p:txBody>
+      </p:sp>
+      <p:sp>
+        <p:nvSpPr>
+          <p:cNvPr id="7" name="TextBox 6">
+            <a:extLst>
+              <a:ext uri="{FF2B5EF4-FFF2-40B4-BE49-F238E27FC236}">
+                <a16:creationId xmlns:a16="http://schemas.microsoft.com/office/drawing/2014/main" id="{62DD182A-6034-6F47-B353-2952E6105375}"/>
+              </a:ext>
+            </a:extLst>
+          </p:cNvPr>
+          <p:cNvSpPr txBox="1"/>
+          <p:nvPr/>
+        </p:nvSpPr>
+        <p:spPr>
+          <a:xfrm>
+            <a:off x="6755642" y="4963224"/>
+            <a:ext cx="4162567" cy="923330"/>
+          </a:xfrm>
+          <a:prstGeom prst="rect">
+            <a:avLst/>
+          </a:prstGeom>
+          <a:noFill/>
+        </p:spPr>
+        <p:txBody>
+          <a:bodyPr wrap="square" rtlCol="0">
+            <a:spAutoFit/>
+          </a:bodyPr>
+          <a:lstStyle/>
+          <a:p>
+            <a:r>
+              <a:rPr lang="en" dirty="0"/>
+              <a:t>none of the code inside a shadow DOM can affect anything outside it, allowing for handy encapsulation.</a:t>
+            </a:r>
+            <a:endParaRPr lang="sv-SE" dirty="0"/>
+          </a:p>
+        </p:txBody>
+      </p:sp>
+    </p:spTree>
+    <p:extLst>
+      <p:ext uri="{BB962C8B-B14F-4D97-AF65-F5344CB8AC3E}">
+        <p14:creationId xmlns:p14="http://schemas.microsoft.com/office/powerpoint/2010/main" val="2051054558"/>
+      </p:ext>
+    </p:extLst>
+  </p:cSld>
+  <p:clrMapOvr>
+    <a:masterClrMapping/>
+  </p:clrMapOvr>
+</p:sld>
+</file>
+
+<file path=ppt/slides/slide11.xml><?xml version="1.0" encoding="utf-8"?>
+<p:sld xmlns:a="http://schemas.openxmlformats.org/drawingml/2006/main" xmlns:r="http://schemas.openxmlformats.org/officeDocument/2006/relationships" xmlns:p="http://schemas.openxmlformats.org/presentationml/2006/main">
+  <p:cSld>
+    <p:spTree>
+      <p:nvGrpSpPr>
+        <p:cNvPr id="1" name=""/>
+        <p:cNvGrpSpPr/>
+        <p:nvPr/>
+      </p:nvGrpSpPr>
+      <p:grpSpPr>
+        <a:xfrm>
+          <a:off x="0" y="0"/>
+          <a:ext cx="0" cy="0"/>
+          <a:chOff x="0" y="0"/>
+          <a:chExt cx="0" cy="0"/>
+        </a:xfrm>
+      </p:grpSpPr>
+      <p:sp>
+        <p:nvSpPr>
+          <p:cNvPr id="2" name="Title 1">
+            <a:extLst>
+              <a:ext uri="{FF2B5EF4-FFF2-40B4-BE49-F238E27FC236}">
+                <a16:creationId xmlns:a16="http://schemas.microsoft.com/office/drawing/2014/main" id="{E89F652F-FA52-EB41-91F8-72F28A8A0D2C}"/>
+              </a:ext>
+            </a:extLst>
+          </p:cNvPr>
+          <p:cNvSpPr>
+            <a:spLocks noGrp="1"/>
+          </p:cNvSpPr>
+          <p:nvPr>
+            <p:ph type="title"/>
+          </p:nvPr>
+        </p:nvSpPr>
+        <p:spPr/>
+        <p:txBody>
+          <a:bodyPr/>
+          <a:lstStyle/>
+          <a:p>
+            <a:r>
+              <a:rPr lang="sv-SE" dirty="0"/>
+              <a:t>Mer begrepp</a:t>
+            </a:r>
+          </a:p>
+        </p:txBody>
+      </p:sp>
+      <p:sp>
+        <p:nvSpPr>
+          <p:cNvPr id="4" name="TextBox 3">
+            <a:extLst>
+              <a:ext uri="{FF2B5EF4-FFF2-40B4-BE49-F238E27FC236}">
+                <a16:creationId xmlns:a16="http://schemas.microsoft.com/office/drawing/2014/main" id="{C1302F47-2495-7147-9115-02D1705DACF8}"/>
+              </a:ext>
+            </a:extLst>
+          </p:cNvPr>
+          <p:cNvSpPr txBox="1"/>
+          <p:nvPr/>
+        </p:nvSpPr>
+        <p:spPr>
+          <a:xfrm>
+            <a:off x="744225" y="1620520"/>
+            <a:ext cx="4101737" cy="1779724"/>
+          </a:xfrm>
+          <a:prstGeom prst="rect">
+            <a:avLst/>
+          </a:prstGeom>
+          <a:noFill/>
+        </p:spPr>
+        <p:txBody>
+          <a:bodyPr wrap="square" rtlCol="0">
+            <a:spAutoFit/>
+          </a:bodyPr>
+          <a:lstStyle/>
+          <a:p>
+            <a:r>
+              <a:rPr lang="en" b="1" dirty="0"/>
+              <a:t>Light DOM</a:t>
+            </a:r>
+            <a:endParaRPr lang="en" dirty="0"/>
+          </a:p>
+          <a:p>
+            <a:r>
+              <a:rPr lang="en" dirty="0"/>
+              <a:t>The markup a user of your component writes. This DOM lives outside the component's shadow DOM. It is the element's actual children.</a:t>
+            </a:r>
+          </a:p>
+          <a:p>
+            <a:endParaRPr lang="sv-SE" dirty="0"/>
+          </a:p>
+        </p:txBody>
+      </p:sp>
+      <p:pic>
+        <p:nvPicPr>
+          <p:cNvPr id="6" name="Picture 5">
+            <a:extLst>
+              <a:ext uri="{FF2B5EF4-FFF2-40B4-BE49-F238E27FC236}">
+                <a16:creationId xmlns:a16="http://schemas.microsoft.com/office/drawing/2014/main" id="{E61745CB-5B52-1A4B-B040-9315706D5502}"/>
+              </a:ext>
+            </a:extLst>
+          </p:cNvPr>
+          <p:cNvPicPr>
+            <a:picLocks noChangeAspect="1"/>
+          </p:cNvPicPr>
+          <p:nvPr/>
+        </p:nvPicPr>
+        <p:blipFill>
+          <a:blip r:embed="rId2"/>
+          <a:stretch>
+            <a:fillRect/>
+          </a:stretch>
+        </p:blipFill>
+        <p:spPr>
+          <a:xfrm>
+            <a:off x="4578065" y="1856332"/>
+            <a:ext cx="6502400" cy="1308100"/>
+          </a:xfrm>
+          <a:prstGeom prst="rect">
+            <a:avLst/>
+          </a:prstGeom>
+        </p:spPr>
+      </p:pic>
+      <p:sp>
+        <p:nvSpPr>
+          <p:cNvPr id="7" name="Rectangle 6">
+            <a:extLst>
+              <a:ext uri="{FF2B5EF4-FFF2-40B4-BE49-F238E27FC236}">
+                <a16:creationId xmlns:a16="http://schemas.microsoft.com/office/drawing/2014/main" id="{7C6B7806-5AD3-BC44-85A3-C10D9EEBBBAD}"/>
+              </a:ext>
+            </a:extLst>
+          </p:cNvPr>
+          <p:cNvSpPr/>
+          <p:nvPr/>
+        </p:nvSpPr>
+        <p:spPr>
+          <a:xfrm>
+            <a:off x="744225" y="3288327"/>
+            <a:ext cx="6096000" cy="1754326"/>
+          </a:xfrm>
+          <a:prstGeom prst="rect">
+            <a:avLst/>
+          </a:prstGeom>
+        </p:spPr>
+        <p:txBody>
+          <a:bodyPr>
+            <a:spAutoFit/>
+          </a:bodyPr>
+          <a:lstStyle/>
+          <a:p>
+            <a:r>
+              <a:rPr lang="en" b="1" dirty="0"/>
+              <a:t>Shadow DOM</a:t>
+            </a:r>
+            <a:endParaRPr lang="en" dirty="0"/>
+          </a:p>
+          <a:p>
+            <a:r>
+              <a:rPr lang="en" dirty="0"/>
+              <a:t>The DOM a component author writes. Shadow DOM is local to the component and defines its internal structure, scoped CSS, and encapsulates your implementation details. It can also define how to render markup that's authored by the consumer of your component.</a:t>
+            </a:r>
+          </a:p>
+        </p:txBody>
+      </p:sp>
+      <p:pic>
+        <p:nvPicPr>
+          <p:cNvPr id="9" name="Picture 8">
+            <a:extLst>
+              <a:ext uri="{FF2B5EF4-FFF2-40B4-BE49-F238E27FC236}">
+                <a16:creationId xmlns:a16="http://schemas.microsoft.com/office/drawing/2014/main" id="{891C3858-3326-4D4B-81F4-1AA9AC7BC61B}"/>
+              </a:ext>
+            </a:extLst>
+          </p:cNvPr>
+          <p:cNvPicPr>
+            <a:picLocks noChangeAspect="1"/>
+          </p:cNvPicPr>
+          <p:nvPr/>
+        </p:nvPicPr>
+        <p:blipFill>
+          <a:blip r:embed="rId3"/>
+          <a:stretch>
+            <a:fillRect/>
+          </a:stretch>
+        </p:blipFill>
+        <p:spPr>
+          <a:xfrm>
+            <a:off x="7474519" y="3429000"/>
+            <a:ext cx="3111500" cy="1612900"/>
+          </a:xfrm>
+          <a:prstGeom prst="rect">
+            <a:avLst/>
+          </a:prstGeom>
+        </p:spPr>
+      </p:pic>
+    </p:spTree>
+    <p:extLst>
+      <p:ext uri="{BB962C8B-B14F-4D97-AF65-F5344CB8AC3E}">
+        <p14:creationId xmlns:p14="http://schemas.microsoft.com/office/powerpoint/2010/main" val="2058503841"/>
+      </p:ext>
+    </p:extLst>
+  </p:cSld>
+  <p:clrMapOvr>
+    <a:masterClrMapping/>
+  </p:clrMapOvr>
+</p:sld>
+</file>
+
+<file path=ppt/slides/slide12.xml><?xml version="1.0" encoding="utf-8"?>
+<p:sld xmlns:a="http://schemas.openxmlformats.org/drawingml/2006/main" xmlns:r="http://schemas.openxmlformats.org/officeDocument/2006/relationships" xmlns:p="http://schemas.openxmlformats.org/presentationml/2006/main">
+  <p:cSld>
+    <p:spTree>
+      <p:nvGrpSpPr>
+        <p:cNvPr id="1" name=""/>
+        <p:cNvGrpSpPr/>
+        <p:nvPr/>
+      </p:nvGrpSpPr>
+      <p:grpSpPr>
+        <a:xfrm>
+          <a:off x="0" y="0"/>
+          <a:ext cx="0" cy="0"/>
+          <a:chOff x="0" y="0"/>
+          <a:chExt cx="0" cy="0"/>
+        </a:xfrm>
+      </p:grpSpPr>
+      <p:sp>
+        <p:nvSpPr>
+          <p:cNvPr id="2" name="Title 1">
+            <a:extLst>
+              <a:ext uri="{FF2B5EF4-FFF2-40B4-BE49-F238E27FC236}">
+                <a16:creationId xmlns:a16="http://schemas.microsoft.com/office/drawing/2014/main" id="{E89F652F-FA52-EB41-91F8-72F28A8A0D2C}"/>
+              </a:ext>
+            </a:extLst>
+          </p:cNvPr>
+          <p:cNvSpPr>
+            <a:spLocks noGrp="1"/>
+          </p:cNvSpPr>
+          <p:nvPr>
+            <p:ph type="title"/>
+          </p:nvPr>
+        </p:nvSpPr>
+        <p:spPr/>
+        <p:txBody>
+          <a:bodyPr/>
+          <a:lstStyle/>
+          <a:p>
+            <a:r>
+              <a:rPr lang="sv-SE" dirty="0"/>
+              <a:t>Mer begrepp</a:t>
+            </a:r>
+          </a:p>
+        </p:txBody>
+      </p:sp>
+      <p:sp>
+        <p:nvSpPr>
+          <p:cNvPr id="10" name="Rectangle 9">
+            <a:extLst>
+              <a:ext uri="{FF2B5EF4-FFF2-40B4-BE49-F238E27FC236}">
+                <a16:creationId xmlns:a16="http://schemas.microsoft.com/office/drawing/2014/main" id="{DCE28606-263E-2B42-8B3D-E0E8BB92E79B}"/>
+              </a:ext>
+            </a:extLst>
+          </p:cNvPr>
+          <p:cNvSpPr/>
+          <p:nvPr/>
+        </p:nvSpPr>
+        <p:spPr>
+          <a:xfrm>
+            <a:off x="594100" y="1792588"/>
+            <a:ext cx="6096000" cy="1477328"/>
+          </a:xfrm>
+          <a:prstGeom prst="rect">
+            <a:avLst/>
+          </a:prstGeom>
+        </p:spPr>
+        <p:txBody>
+          <a:bodyPr>
+            <a:spAutoFit/>
+          </a:bodyPr>
+          <a:lstStyle/>
+          <a:p>
+            <a:r>
+              <a:rPr lang="en" b="1" dirty="0"/>
+              <a:t>Flattened DOM tree (</a:t>
+            </a:r>
+            <a:r>
+              <a:rPr lang="en" b="1" dirty="0" err="1"/>
+              <a:t>eller</a:t>
+            </a:r>
+            <a:r>
+              <a:rPr lang="en" b="1" dirty="0"/>
+              <a:t> “Composed”)</a:t>
+            </a:r>
+            <a:endParaRPr lang="en" dirty="0"/>
+          </a:p>
+          <a:p>
+            <a:r>
+              <a:rPr lang="en" dirty="0"/>
+              <a:t>The result of the browser distributing the user's light DOM into your shadow DOM, rendering the final product. The flattened tree is what you ultimately see in the </a:t>
+            </a:r>
+            <a:r>
+              <a:rPr lang="en" dirty="0" err="1"/>
+              <a:t>DevTools</a:t>
+            </a:r>
+            <a:r>
+              <a:rPr lang="en" dirty="0"/>
+              <a:t> and what's rendered on the page.</a:t>
+            </a:r>
+          </a:p>
+        </p:txBody>
+      </p:sp>
+      <p:pic>
+        <p:nvPicPr>
+          <p:cNvPr id="5" name="Picture 4">
+            <a:extLst>
+              <a:ext uri="{FF2B5EF4-FFF2-40B4-BE49-F238E27FC236}">
+                <a16:creationId xmlns:a16="http://schemas.microsoft.com/office/drawing/2014/main" id="{AA772271-41D5-6F42-A3B6-C19AA9564090}"/>
+              </a:ext>
+            </a:extLst>
+          </p:cNvPr>
+          <p:cNvPicPr>
+            <a:picLocks noChangeAspect="1"/>
+          </p:cNvPicPr>
+          <p:nvPr/>
+        </p:nvPicPr>
+        <p:blipFill>
+          <a:blip r:embed="rId2"/>
+          <a:stretch>
+            <a:fillRect/>
+          </a:stretch>
+        </p:blipFill>
+        <p:spPr>
+          <a:xfrm>
+            <a:off x="6955715" y="582115"/>
+            <a:ext cx="4203700" cy="3073400"/>
+          </a:xfrm>
+          <a:prstGeom prst="rect">
+            <a:avLst/>
+          </a:prstGeom>
+        </p:spPr>
+      </p:pic>
+      <p:sp>
+        <p:nvSpPr>
+          <p:cNvPr id="8" name="TextBox 7">
+            <a:extLst>
+              <a:ext uri="{FF2B5EF4-FFF2-40B4-BE49-F238E27FC236}">
+                <a16:creationId xmlns:a16="http://schemas.microsoft.com/office/drawing/2014/main" id="{4E4EE005-658A-6943-967A-E8A15422A104}"/>
+              </a:ext>
+            </a:extLst>
+          </p:cNvPr>
+          <p:cNvSpPr txBox="1"/>
+          <p:nvPr/>
+        </p:nvSpPr>
+        <p:spPr>
+          <a:xfrm>
+            <a:off x="594100" y="3821374"/>
+            <a:ext cx="5501900" cy="2585323"/>
+          </a:xfrm>
+          <a:prstGeom prst="rect">
+            <a:avLst/>
+          </a:prstGeom>
+          <a:noFill/>
+        </p:spPr>
+        <p:txBody>
+          <a:bodyPr wrap="square" rtlCol="0">
+            <a:spAutoFit/>
+          </a:bodyPr>
+          <a:lstStyle/>
+          <a:p>
+            <a:r>
+              <a:rPr lang="en" b="1" dirty="0"/>
+              <a:t>The &lt;slot&gt; element</a:t>
+            </a:r>
+          </a:p>
+          <a:p>
+            <a:r>
+              <a:rPr lang="en" dirty="0"/>
+              <a:t>Shadow DOM composes different DOM trees together using the &lt;slot&gt; element. </a:t>
+            </a:r>
+            <a:r>
+              <a:rPr lang="en" b="1" dirty="0"/>
+              <a:t>Slots are placeholders inside your component that users </a:t>
+            </a:r>
+            <a:r>
+              <a:rPr lang="en" b="1" i="1" dirty="0"/>
+              <a:t>can</a:t>
+            </a:r>
+            <a:r>
+              <a:rPr lang="en" b="1" dirty="0"/>
+              <a:t> fill with their own markup</a:t>
+            </a:r>
+            <a:r>
+              <a:rPr lang="en" dirty="0"/>
+              <a:t>. By defining one or more slots, you invite outside markup to render in your component's shadow DOM. Essentially, you're saying </a:t>
+            </a:r>
+            <a:r>
+              <a:rPr lang="en" i="1" dirty="0"/>
+              <a:t>"Render the user's markup over here"</a:t>
+            </a:r>
+            <a:r>
+              <a:rPr lang="en" dirty="0"/>
+              <a:t>.</a:t>
+            </a:r>
+          </a:p>
+          <a:p>
+            <a:endParaRPr lang="sv-SE" dirty="0"/>
+          </a:p>
+        </p:txBody>
+      </p:sp>
+    </p:spTree>
+    <p:extLst>
+      <p:ext uri="{BB962C8B-B14F-4D97-AF65-F5344CB8AC3E}">
+        <p14:creationId xmlns:p14="http://schemas.microsoft.com/office/powerpoint/2010/main" val="791666743"/>
+      </p:ext>
+    </p:extLst>
+  </p:cSld>
+  <p:clrMapOvr>
+    <a:masterClrMapping/>
+  </p:clrMapOvr>
+</p:sld>
+</file>
+
+<file path=ppt/slides/slide13.xml><?xml version="1.0" encoding="utf-8"?>
+<p:sld xmlns:a="http://schemas.openxmlformats.org/drawingml/2006/main" xmlns:r="http://schemas.openxmlformats.org/officeDocument/2006/relationships" xmlns:p="http://schemas.openxmlformats.org/presentationml/2006/main">
+  <p:cSld>
+    <p:spTree>
+      <p:nvGrpSpPr>
+        <p:cNvPr id="1" name=""/>
+        <p:cNvGrpSpPr/>
+        <p:nvPr/>
+      </p:nvGrpSpPr>
+      <p:grpSpPr>
+        <a:xfrm>
+          <a:off x="0" y="0"/>
+          <a:ext cx="0" cy="0"/>
+          <a:chOff x="0" y="0"/>
+          <a:chExt cx="0" cy="0"/>
+        </a:xfrm>
+      </p:grpSpPr>
+      <p:sp>
+        <p:nvSpPr>
+          <p:cNvPr id="2" name="Title 1">
+            <a:extLst>
+              <a:ext uri="{FF2B5EF4-FFF2-40B4-BE49-F238E27FC236}">
+                <a16:creationId xmlns:a16="http://schemas.microsoft.com/office/drawing/2014/main" id="{FFBD4CCA-8694-4047-8068-775B40C81046}"/>
+              </a:ext>
+            </a:extLst>
+          </p:cNvPr>
+          <p:cNvSpPr>
+            <a:spLocks noGrp="1"/>
+          </p:cNvSpPr>
+          <p:nvPr>
+            <p:ph type="title"/>
+          </p:nvPr>
+        </p:nvSpPr>
+        <p:spPr/>
+        <p:txBody>
+          <a:bodyPr/>
+          <a:lstStyle/>
+          <a:p>
+            <a:r>
+              <a:rPr lang="sv-SE" dirty="0"/>
+              <a:t>Wrap-UP</a:t>
+            </a:r>
+          </a:p>
+        </p:txBody>
+      </p:sp>
+      <p:sp>
+        <p:nvSpPr>
+          <p:cNvPr id="3" name="Content Placeholder 2">
+            <a:extLst>
+              <a:ext uri="{FF2B5EF4-FFF2-40B4-BE49-F238E27FC236}">
+                <a16:creationId xmlns:a16="http://schemas.microsoft.com/office/drawing/2014/main" id="{DC138E02-2454-004D-99AF-BFD14CBAB4A9}"/>
+              </a:ext>
+            </a:extLst>
+          </p:cNvPr>
+          <p:cNvSpPr>
+            <a:spLocks noGrp="1"/>
+          </p:cNvSpPr>
+          <p:nvPr>
+            <p:ph idx="1"/>
+          </p:nvPr>
+        </p:nvSpPr>
+        <p:spPr/>
+        <p:txBody>
+          <a:bodyPr/>
+          <a:lstStyle/>
+          <a:p>
+            <a:r>
+              <a:rPr lang="sv-SE" dirty="0"/>
+              <a:t>Web Components är en samling officiella standarder. W3C.</a:t>
+            </a:r>
+          </a:p>
+          <a:p>
+            <a:r>
+              <a:rPr lang="sv-SE" dirty="0"/>
+              <a:t>Micro-</a:t>
+            </a:r>
+            <a:r>
+              <a:rPr lang="sv-SE" dirty="0" err="1"/>
+              <a:t>Frontends</a:t>
+            </a:r>
+            <a:r>
+              <a:rPr lang="sv-SE" dirty="0"/>
+              <a:t> är ett Designmönster som använder sig av bl.a. Web Components.</a:t>
+            </a:r>
+          </a:p>
+          <a:p>
+            <a:endParaRPr lang="sv-SE" dirty="0"/>
+          </a:p>
+          <a:p>
+            <a:endParaRPr lang="sv-SE" dirty="0"/>
+          </a:p>
+        </p:txBody>
+      </p:sp>
+    </p:spTree>
+    <p:extLst>
+      <p:ext uri="{BB962C8B-B14F-4D97-AF65-F5344CB8AC3E}">
+        <p14:creationId xmlns:p14="http://schemas.microsoft.com/office/powerpoint/2010/main" val="652125531"/>
+      </p:ext>
+    </p:extLst>
+  </p:cSld>
+  <p:clrMapOvr>
+    <a:masterClrMapping/>
+  </p:clrMapOvr>
+</p:sld>
+</file>
+
+<file path=ppt/slides/slide14.xml><?xml version="1.0" encoding="utf-8"?>
+<p:sld xmlns:a="http://schemas.openxmlformats.org/drawingml/2006/main" xmlns:r="http://schemas.openxmlformats.org/officeDocument/2006/relationships" xmlns:p="http://schemas.openxmlformats.org/presentationml/2006/main">
+  <p:cSld>
+    <p:spTree>
+      <p:nvGrpSpPr>
+        <p:cNvPr id="1" name=""/>
+        <p:cNvGrpSpPr/>
+        <p:nvPr/>
+      </p:nvGrpSpPr>
+      <p:grpSpPr>
+        <a:xfrm>
+          <a:off x="0" y="0"/>
+          <a:ext cx="0" cy="0"/>
+          <a:chOff x="0" y="0"/>
+          <a:chExt cx="0" cy="0"/>
+        </a:xfrm>
+      </p:grpSpPr>
+      <p:sp>
+        <p:nvSpPr>
+          <p:cNvPr id="2" name="Title 1">
+            <a:extLst>
+              <a:ext uri="{FF2B5EF4-FFF2-40B4-BE49-F238E27FC236}">
+                <a16:creationId xmlns:a16="http://schemas.microsoft.com/office/drawing/2014/main" id="{5D001323-EC28-E94F-A8B8-2A35DE1F8024}"/>
+              </a:ext>
+            </a:extLst>
+          </p:cNvPr>
+          <p:cNvSpPr>
+            <a:spLocks noGrp="1"/>
+          </p:cNvSpPr>
+          <p:nvPr>
+            <p:ph type="title"/>
+          </p:nvPr>
+        </p:nvSpPr>
+        <p:spPr/>
+        <p:txBody>
+          <a:bodyPr/>
+          <a:lstStyle/>
+          <a:p>
+            <a:r>
+              <a:rPr lang="sv-SE" dirty="0" err="1"/>
+              <a:t>References</a:t>
+            </a:r>
+            <a:endParaRPr lang="sv-SE" dirty="0"/>
+          </a:p>
+        </p:txBody>
+      </p:sp>
+      <p:sp>
+        <p:nvSpPr>
+          <p:cNvPr id="3" name="Content Placeholder 2">
+            <a:extLst>
+              <a:ext uri="{FF2B5EF4-FFF2-40B4-BE49-F238E27FC236}">
+                <a16:creationId xmlns:a16="http://schemas.microsoft.com/office/drawing/2014/main" id="{BB4610B0-446A-5F42-9EB1-92BF883D5696}"/>
+              </a:ext>
+            </a:extLst>
+          </p:cNvPr>
+          <p:cNvSpPr>
+            <a:spLocks noGrp="1"/>
+          </p:cNvSpPr>
+          <p:nvPr>
+            <p:ph idx="1"/>
+          </p:nvPr>
+        </p:nvSpPr>
+        <p:spPr/>
+        <p:txBody>
+          <a:bodyPr/>
+          <a:lstStyle/>
+          <a:p>
+            <a:endParaRPr lang="sv-SE" dirty="0">
+              <a:hlinkClick r:id="rId2"/>
+            </a:endParaRPr>
+          </a:p>
+          <a:p>
+            <a:r>
+              <a:rPr lang="sv-SE" dirty="0">
+                <a:hlinkClick r:id="rId2"/>
+              </a:rPr>
+              <a:t>https://en.wikipedia.org/wiki/Web_Components </a:t>
+            </a:r>
+          </a:p>
+          <a:p>
+            <a:r>
+              <a:rPr lang="sv-SE" dirty="0">
+                <a:hlinkClick r:id="rId2"/>
+              </a:rPr>
+              <a:t>https://developer.mozilla.org/en-US/docs/Web/Web_Components</a:t>
+            </a:r>
+            <a:endParaRPr lang="sv-SE" dirty="0"/>
+          </a:p>
+          <a:p>
+            <a:r>
+              <a:rPr lang="sv-SE" dirty="0">
+                <a:hlinkClick r:id="rId3"/>
+              </a:rPr>
+              <a:t>https://en.wikipedia.org/wiki/Document_Object_Model</a:t>
+            </a:r>
+            <a:endParaRPr lang="sv-SE" dirty="0"/>
+          </a:p>
+          <a:p>
+            <a:r>
+              <a:rPr lang="sv-SE" dirty="0">
+                <a:hlinkClick r:id="rId4"/>
+              </a:rPr>
+              <a:t>https://micro-frontends.org/</a:t>
+            </a:r>
+            <a:endParaRPr lang="sv-SE" dirty="0"/>
+          </a:p>
+          <a:p>
+            <a:r>
+              <a:rPr lang="sv-SE" dirty="0" err="1"/>
+              <a:t>https</a:t>
+            </a:r>
+            <a:r>
+              <a:rPr lang="sv-SE" dirty="0"/>
+              <a:t>://</a:t>
+            </a:r>
+            <a:r>
+              <a:rPr lang="sv-SE" dirty="0" err="1"/>
+              <a:t>developers.google.com</a:t>
+            </a:r>
+            <a:r>
+              <a:rPr lang="sv-SE" dirty="0"/>
+              <a:t>/web/fundamentals/web-</a:t>
+            </a:r>
+            <a:r>
+              <a:rPr lang="sv-SE" dirty="0" err="1"/>
+              <a:t>components</a:t>
+            </a:r>
+            <a:r>
+              <a:rPr lang="sv-SE" dirty="0"/>
+              <a:t>/</a:t>
+            </a:r>
+            <a:r>
+              <a:rPr lang="sv-SE" dirty="0" err="1"/>
+              <a:t>shadowdom</a:t>
+            </a:r>
+            <a:endParaRPr lang="sv-SE" dirty="0"/>
+          </a:p>
+          <a:p>
+            <a:endParaRPr lang="sv-SE" dirty="0"/>
+          </a:p>
+        </p:txBody>
+      </p:sp>
+    </p:spTree>
+    <p:extLst>
+      <p:ext uri="{BB962C8B-B14F-4D97-AF65-F5344CB8AC3E}">
+        <p14:creationId xmlns:p14="http://schemas.microsoft.com/office/powerpoint/2010/main" val="4205327605"/>
+      </p:ext>
+    </p:extLst>
+  </p:cSld>
+  <p:clrMapOvr>
+    <a:masterClrMapping/>
+  </p:clrMapOvr>
+</p:sld>
+</file>
+
+<file path=ppt/slides/slide15.xml><?xml version="1.0" encoding="utf-8"?>
+<p:sld xmlns:a="http://schemas.openxmlformats.org/drawingml/2006/main" xmlns:r="http://schemas.openxmlformats.org/officeDocument/2006/relationships" xmlns:p="http://schemas.openxmlformats.org/presentationml/2006/main">
+  <p:cSld>
+    <p:spTree>
+      <p:nvGrpSpPr>
+        <p:cNvPr id="1" name=""/>
+        <p:cNvGrpSpPr/>
+        <p:nvPr/>
+      </p:nvGrpSpPr>
+      <p:grpSpPr>
+        <a:xfrm>
+          <a:off x="0" y="0"/>
+          <a:ext cx="0" cy="0"/>
+          <a:chOff x="0" y="0"/>
+          <a:chExt cx="0" cy="0"/>
+        </a:xfrm>
+      </p:grpSpPr>
+      <p:sp>
+        <p:nvSpPr>
+          <p:cNvPr id="2" name="Title 1">
+            <a:extLst>
+              <a:ext uri="{FF2B5EF4-FFF2-40B4-BE49-F238E27FC236}">
+                <a16:creationId xmlns:a16="http://schemas.microsoft.com/office/drawing/2014/main" id="{1B03846F-B86A-EA49-A06B-FE2FC9D19ECF}"/>
+              </a:ext>
+            </a:extLst>
+          </p:cNvPr>
+          <p:cNvSpPr>
+            <a:spLocks noGrp="1"/>
+          </p:cNvSpPr>
+          <p:nvPr>
+            <p:ph type="title"/>
+          </p:nvPr>
+        </p:nvSpPr>
+        <p:spPr/>
+        <p:txBody>
+          <a:bodyPr/>
+          <a:lstStyle/>
+          <a:p>
+            <a:r>
+              <a:rPr lang="sv-SE" dirty="0"/>
+              <a:t>Vad är problemet med globala variabler?</a:t>
+            </a:r>
+          </a:p>
+        </p:txBody>
+      </p:sp>
+      <p:sp>
+        <p:nvSpPr>
+          <p:cNvPr id="3" name="Content Placeholder 2">
+            <a:extLst>
+              <a:ext uri="{FF2B5EF4-FFF2-40B4-BE49-F238E27FC236}">
+                <a16:creationId xmlns:a16="http://schemas.microsoft.com/office/drawing/2014/main" id="{8D991739-77A8-584B-A2BB-01AEF827BA07}"/>
+              </a:ext>
+            </a:extLst>
+          </p:cNvPr>
+          <p:cNvSpPr>
+            <a:spLocks noGrp="1"/>
+          </p:cNvSpPr>
+          <p:nvPr>
+            <p:ph idx="1"/>
+          </p:nvPr>
+        </p:nvSpPr>
+        <p:spPr/>
+        <p:txBody>
+          <a:bodyPr/>
+          <a:lstStyle/>
+          <a:p>
+            <a:pPr marL="0" indent="0">
+              <a:buNone/>
+            </a:pPr>
+            <a:r>
+              <a:rPr lang="sv-SE" dirty="0"/>
+              <a:t>100 LET X = 17</a:t>
+            </a:r>
+          </a:p>
+          <a:p>
+            <a:pPr marL="0" indent="0">
+              <a:buNone/>
+            </a:pPr>
+            <a:r>
+              <a:rPr lang="sv-SE" dirty="0"/>
+              <a:t>110 PRINT ”Hello World!”</a:t>
+            </a:r>
+          </a:p>
+          <a:p>
+            <a:pPr marL="0" indent="0">
+              <a:buNone/>
+            </a:pPr>
+            <a:r>
+              <a:rPr lang="sv-SE" dirty="0"/>
+              <a:t>120 </a:t>
+            </a:r>
+          </a:p>
+          <a:p>
+            <a:pPr marL="0" indent="0">
+              <a:buNone/>
+            </a:pPr>
+            <a:endParaRPr lang="sv-SE" dirty="0"/>
+          </a:p>
+          <a:p>
+            <a:pPr marL="0" indent="0">
+              <a:buNone/>
+            </a:pPr>
+            <a:endParaRPr lang="sv-SE" dirty="0"/>
+          </a:p>
+        </p:txBody>
+      </p:sp>
+    </p:spTree>
+    <p:extLst>
+      <p:ext uri="{BB962C8B-B14F-4D97-AF65-F5344CB8AC3E}">
+        <p14:creationId xmlns:p14="http://schemas.microsoft.com/office/powerpoint/2010/main" val="1203051136"/>
       </p:ext>
     </p:extLst>
   </p:cSld>
@@ -4531,6 +5628,13 @@
               <a:rPr lang="sv-SE" dirty="0"/>
               <a:t> new HTML elements </a:t>
             </a:r>
+            <a:br>
+              <a:rPr lang="sv-SE" dirty="0"/>
+            </a:br>
+            <a:r>
+              <a:rPr lang="sv-SE" dirty="0"/>
+              <a:t>tänk &lt;skatt-knapp&gt;</a:t>
+            </a:r>
           </a:p>
           <a:p>
             <a:r>
@@ -4969,14 +6073,14 @@
           <p:nvPr/>
         </p:nvPicPr>
         <p:blipFill>
-          <a:blip r:embed="rId2"/>
+          <a:blip r:embed="rId3"/>
           <a:stretch>
             <a:fillRect/>
           </a:stretch>
         </p:blipFill>
         <p:spPr>
           <a:xfrm>
-            <a:off x="8934713" y="4408254"/>
+            <a:off x="875779" y="647367"/>
             <a:ext cx="2185780" cy="1755006"/>
           </a:xfrm>
           <a:prstGeom prst="rect">
@@ -4999,14 +6103,14 @@
           <p:nvPr/>
         </p:nvPicPr>
         <p:blipFill>
-          <a:blip r:embed="rId3"/>
+          <a:blip r:embed="rId4"/>
           <a:stretch>
             <a:fillRect/>
           </a:stretch>
         </p:blipFill>
         <p:spPr>
           <a:xfrm>
-            <a:off x="875779" y="635000"/>
+            <a:off x="9732397" y="4070531"/>
             <a:ext cx="1197835" cy="2168919"/>
           </a:xfrm>
           <a:prstGeom prst="rect">
@@ -5066,8 +6170,8 @@
         </p:blipFill>
         <p:spPr>
           <a:xfrm>
-            <a:off x="4388198" y="410817"/>
-            <a:ext cx="5961750" cy="6170412"/>
+            <a:off x="2608218" y="593697"/>
+            <a:ext cx="4828218" cy="4997206"/>
           </a:xfrm>
           <a:prstGeom prst="rect">
             <a:avLst/>
@@ -5089,7 +6193,7 @@
         <p:spPr>
           <a:xfrm>
             <a:off x="450574" y="2849692"/>
-            <a:ext cx="3074504" cy="646331"/>
+            <a:ext cx="2148935" cy="646331"/>
           </a:xfrm>
           <a:prstGeom prst="rect">
             <a:avLst/>
@@ -5132,6 +6236,70 @@
               <a:rPr lang="sv-SE" dirty="0"/>
               <a:t> the DOM:</a:t>
             </a:r>
+          </a:p>
+        </p:txBody>
+      </p:sp>
+      <p:sp>
+        <p:nvSpPr>
+          <p:cNvPr id="2" name="TextBox 1">
+            <a:extLst>
+              <a:ext uri="{FF2B5EF4-FFF2-40B4-BE49-F238E27FC236}">
+                <a16:creationId xmlns:a16="http://schemas.microsoft.com/office/drawing/2014/main" id="{9FD3C74A-D777-8145-AC2B-5699E1D81991}"/>
+              </a:ext>
+            </a:extLst>
+          </p:cNvPr>
+          <p:cNvSpPr txBox="1"/>
+          <p:nvPr/>
+        </p:nvSpPr>
+        <p:spPr>
+          <a:xfrm>
+            <a:off x="8059784" y="2351314"/>
+            <a:ext cx="3513908" cy="2031325"/>
+          </a:xfrm>
+          <a:prstGeom prst="rect">
+            <a:avLst/>
+          </a:prstGeom>
+          <a:solidFill>
+            <a:schemeClr val="bg1">
+              <a:lumMod val="75000"/>
+            </a:schemeClr>
+          </a:solidFill>
+          <a:ln>
+            <a:solidFill>
+              <a:schemeClr val="bg2">
+                <a:lumMod val="50000"/>
+              </a:schemeClr>
+            </a:solidFill>
+          </a:ln>
+        </p:spPr>
+        <p:txBody>
+          <a:bodyPr wrap="square" rtlCol="0">
+            <a:spAutoFit/>
+          </a:bodyPr>
+          <a:lstStyle/>
+          <a:p>
+            <a:r>
+              <a:rPr lang="sv-SE" dirty="0"/>
+              <a:t>DOM med JavaScript är det som möjliggör AJAX/REST, SPA mm mm mm.</a:t>
+            </a:r>
+          </a:p>
+          <a:p>
+            <a:r>
+              <a:rPr lang="sv-SE" dirty="0"/>
+              <a:t>Grunden för web applikationer</a:t>
+            </a:r>
+          </a:p>
+          <a:p>
+            <a:r>
+              <a:rPr lang="sv-SE" dirty="0"/>
+              <a:t>vs. Hypertext dokument.</a:t>
+            </a:r>
+          </a:p>
+          <a:p>
+            <a:endParaRPr lang="sv-SE" dirty="0"/>
+          </a:p>
+          <a:p>
+            <a:endParaRPr lang="sv-SE" dirty="0"/>
           </a:p>
         </p:txBody>
       </p:sp>
@@ -5170,7 +6338,7 @@
           <p:cNvPr id="2" name="Title 1">
             <a:extLst>
               <a:ext uri="{FF2B5EF4-FFF2-40B4-BE49-F238E27FC236}">
-                <a16:creationId xmlns:a16="http://schemas.microsoft.com/office/drawing/2014/main" id="{5D001323-EC28-E94F-A8B8-2A35DE1F8024}"/>
+                <a16:creationId xmlns:a16="http://schemas.microsoft.com/office/drawing/2014/main" id="{89E127AD-A5EB-134E-926D-568067E697AD}"/>
               </a:ext>
             </a:extLst>
           </p:cNvPr>
@@ -5187,88 +6355,99 @@
           <a:lstStyle/>
           <a:p>
             <a:r>
-              <a:rPr lang="sv-SE" dirty="0" err="1"/>
-              <a:t>References</a:t>
-            </a:r>
-            <a:endParaRPr lang="sv-SE" dirty="0"/>
-          </a:p>
-        </p:txBody>
-      </p:sp>
-      <p:sp>
-        <p:nvSpPr>
-          <p:cNvPr id="3" name="Content Placeholder 2">
-            <a:extLst>
-              <a:ext uri="{FF2B5EF4-FFF2-40B4-BE49-F238E27FC236}">
-                <a16:creationId xmlns:a16="http://schemas.microsoft.com/office/drawing/2014/main" id="{BB4610B0-446A-5F42-9EB1-92BF883D5696}"/>
-              </a:ext>
-            </a:extLst>
-          </p:cNvPr>
-          <p:cNvSpPr>
-            <a:spLocks noGrp="1"/>
-          </p:cNvSpPr>
-          <p:nvPr>
-            <p:ph idx="1"/>
-          </p:nvPr>
-        </p:nvSpPr>
-        <p:spPr/>
-        <p:txBody>
-          <a:bodyPr/>
-          <a:lstStyle/>
-          <a:p>
-            <a:endParaRPr lang="sv-SE" dirty="0">
-              <a:hlinkClick r:id="rId2"/>
-            </a:endParaRPr>
-          </a:p>
-          <a:p>
-            <a:r>
-              <a:rPr lang="sv-SE" dirty="0">
-                <a:hlinkClick r:id="rId2"/>
-              </a:rPr>
-              <a:t>https://en.wikipedia.org/wiki/Web_Components </a:t>
-            </a:r>
-          </a:p>
-          <a:p>
-            <a:r>
-              <a:rPr lang="sv-SE" dirty="0">
-                <a:hlinkClick r:id="rId2"/>
-              </a:rPr>
-              <a:t>https://developer.mozilla.org/en-US/docs/Web/Web_Components</a:t>
-            </a:r>
-            <a:endParaRPr lang="sv-SE" dirty="0"/>
-          </a:p>
-          <a:p>
-            <a:r>
-              <a:rPr lang="sv-SE" dirty="0">
-                <a:hlinkClick r:id="rId3"/>
-              </a:rPr>
-              <a:t>https://en.wikipedia.org/wiki/Document_Object_Model</a:t>
-            </a:r>
-            <a:endParaRPr lang="sv-SE" dirty="0"/>
-          </a:p>
-          <a:p>
-            <a:r>
-              <a:rPr lang="sv-SE" dirty="0">
-                <a:hlinkClick r:id="rId4"/>
-              </a:rPr>
-              <a:t>https://micro-frontends.org</a:t>
-            </a:r>
-            <a:r>
-              <a:rPr lang="sv-SE">
-                <a:hlinkClick r:id="rId4"/>
-              </a:rPr>
-              <a:t>/</a:t>
-            </a:r>
-            <a:endParaRPr lang="sv-SE"/>
-          </a:p>
-          <a:p>
-            <a:endParaRPr lang="sv-SE" dirty="0"/>
+              <a:rPr lang="sv-SE" dirty="0"/>
+              <a:t>Vad är problemet? </a:t>
+            </a:r>
+          </a:p>
+        </p:txBody>
+      </p:sp>
+      <p:pic>
+        <p:nvPicPr>
+          <p:cNvPr id="5" name="Picture 4">
+            <a:extLst>
+              <a:ext uri="{FF2B5EF4-FFF2-40B4-BE49-F238E27FC236}">
+                <a16:creationId xmlns:a16="http://schemas.microsoft.com/office/drawing/2014/main" id="{A2C36D0E-DC9B-A445-B940-8AA4A13CC559}"/>
+              </a:ext>
+            </a:extLst>
+          </p:cNvPr>
+          <p:cNvPicPr>
+            <a:picLocks noChangeAspect="1"/>
+          </p:cNvPicPr>
+          <p:nvPr/>
+        </p:nvPicPr>
+        <p:blipFill>
+          <a:blip r:embed="rId2"/>
+          <a:stretch>
+            <a:fillRect/>
+          </a:stretch>
+        </p:blipFill>
+        <p:spPr>
+          <a:xfrm>
+            <a:off x="1010896" y="1513731"/>
+            <a:ext cx="6361454" cy="4150910"/>
+          </a:xfrm>
+          <a:prstGeom prst="rect">
+            <a:avLst/>
+          </a:prstGeom>
+        </p:spPr>
+      </p:pic>
+      <p:sp>
+        <p:nvSpPr>
+          <p:cNvPr id="6" name="TextBox 5">
+            <a:extLst>
+              <a:ext uri="{FF2B5EF4-FFF2-40B4-BE49-F238E27FC236}">
+                <a16:creationId xmlns:a16="http://schemas.microsoft.com/office/drawing/2014/main" id="{B399F77F-9D7F-DB43-9F07-FF28AC19FC6E}"/>
+              </a:ext>
+            </a:extLst>
+          </p:cNvPr>
+          <p:cNvSpPr txBox="1"/>
+          <p:nvPr/>
+        </p:nvSpPr>
+        <p:spPr>
+          <a:xfrm>
+            <a:off x="8321040" y="2037806"/>
+            <a:ext cx="3111557" cy="1200329"/>
+          </a:xfrm>
+          <a:prstGeom prst="rect">
+            <a:avLst/>
+          </a:prstGeom>
+          <a:noFill/>
+        </p:spPr>
+        <p:txBody>
+          <a:bodyPr wrap="none" rtlCol="0">
+            <a:spAutoFit/>
+          </a:bodyPr>
+          <a:lstStyle/>
+          <a:p>
+            <a:r>
+              <a:rPr lang="sv-SE" dirty="0"/>
+              <a:t>”Globala variabler”</a:t>
+            </a:r>
+          </a:p>
+          <a:p>
+            <a:r>
+              <a:rPr lang="sv-SE" dirty="0"/>
+              <a:t>Komponenter som ”läcker CSS”</a:t>
+            </a:r>
+          </a:p>
+          <a:p>
+            <a:r>
+              <a:rPr lang="sv-SE" dirty="0"/>
+              <a:t>=&gt;</a:t>
+            </a:r>
+          </a:p>
+          <a:p>
+            <a:r>
+              <a:rPr lang="sv-SE" dirty="0"/>
+              <a:t>Inkapsling!</a:t>
+            </a:r>
           </a:p>
         </p:txBody>
       </p:sp>
     </p:spTree>
     <p:extLst>
       <p:ext uri="{BB962C8B-B14F-4D97-AF65-F5344CB8AC3E}">
-        <p14:creationId xmlns:p14="http://schemas.microsoft.com/office/powerpoint/2010/main" val="4205327605"/>
+        <p14:creationId xmlns:p14="http://schemas.microsoft.com/office/powerpoint/2010/main" val="1978030143"/>
       </p:ext>
     </p:extLst>
   </p:cSld>

--- a/WebComp_MFE.pptx
+++ b/WebComp_MFE.pptx
@@ -4765,7 +4765,7 @@
             </a:r>
             <a:r>
               <a:rPr lang="en" b="1" dirty="0"/>
-              <a:t> “Composed”)</a:t>
+              <a:t> “Composed” / “Rendered”)</a:t>
             </a:r>
             <a:endParaRPr lang="en" dirty="0"/>
           </a:p>
